--- a/slide_0120/20200120_urita.pptx
+++ b/slide_0120/20200120_urita.pptx
@@ -3086,23 +3086,11 @@
                   <a:schemeClr val="accent2"/>
                 </a:solidFill>
               </a:rPr>
-              <a:t>目的数</a:t>
-            </a:r>
-            <a:r>
-              <a:rPr lang="ja-JP" altLang="en-US" sz="2800" b="1" dirty="0" smtClean="0">
-                <a:solidFill>
-                  <a:schemeClr val="accent2"/>
-                </a:solidFill>
-              </a:rPr>
-              <a:t>： </a:t>
+              <a:t>目的数： </a:t>
             </a:r>
             <a:r>
               <a:rPr lang="en-US" altLang="ja-JP" sz="2800" dirty="0" smtClean="0"/>
               <a:t>2</a:t>
-            </a:r>
-            <a:r>
-              <a:rPr lang="en-US" altLang="ja-JP" sz="2800" dirty="0" smtClean="0"/>
-              <a:t/>
             </a:r>
             <a:br>
               <a:rPr lang="en-US" altLang="ja-JP" sz="2800" dirty="0" smtClean="0"/>
@@ -3113,23 +3101,11 @@
                   <a:schemeClr val="accent2"/>
                 </a:solidFill>
               </a:rPr>
-              <a:t>アイテム数</a:t>
-            </a:r>
-            <a:r>
-              <a:rPr lang="ja-JP" altLang="en-US" sz="2800" b="1" dirty="0" smtClean="0">
-                <a:solidFill>
-                  <a:schemeClr val="accent2"/>
-                </a:solidFill>
-              </a:rPr>
-              <a:t>： </a:t>
+              <a:t>アイテム数： </a:t>
             </a:r>
             <a:r>
               <a:rPr lang="en-US" altLang="ja-JP" sz="2800" dirty="0" smtClean="0"/>
               <a:t>500</a:t>
-            </a:r>
-            <a:r>
-              <a:rPr lang="en-US" altLang="ja-JP" sz="2800" dirty="0" smtClean="0"/>
-              <a:t/>
             </a:r>
             <a:br>
               <a:rPr lang="en-US" altLang="ja-JP" sz="2800" dirty="0" smtClean="0"/>
@@ -3140,23 +3116,11 @@
                   <a:schemeClr val="accent2"/>
                 </a:solidFill>
               </a:rPr>
-              <a:t>縮小率</a:t>
-            </a:r>
-            <a:r>
-              <a:rPr lang="ja-JP" altLang="en-US" sz="2800" b="1" dirty="0" smtClean="0">
-                <a:solidFill>
-                  <a:schemeClr val="accent2"/>
-                </a:solidFill>
-              </a:rPr>
-              <a:t>： </a:t>
+              <a:t>縮小率： </a:t>
             </a:r>
             <a:r>
               <a:rPr lang="en-US" altLang="ja-JP" sz="2800" dirty="0" smtClean="0"/>
-              <a:t>[</a:t>
-            </a:r>
-            <a:r>
-              <a:rPr lang="en-US" altLang="ja-JP" sz="2800" dirty="0" smtClean="0"/>
-              <a:t>0.6, 0.8, 1.0, 1.2, 1.4]</a:t>
+              <a:t>[0.6, 0.8, 1.0, 1.2, 1.4]</a:t>
             </a:r>
             <a:r>
               <a:rPr lang="en-US" altLang="ja-JP" dirty="0" smtClean="0"/>
@@ -3407,10 +3371,6 @@
               <a:rPr lang="en-US" altLang="ja-JP" sz="2800" dirty="0" smtClean="0"/>
               <a:t>MOEA/D</a:t>
             </a:r>
-            <a:r>
-              <a:rPr lang="en-US" altLang="ja-JP" sz="2800" dirty="0" smtClean="0"/>
-              <a:t/>
-            </a:r>
             <a:br>
               <a:rPr lang="en-US" altLang="ja-JP" sz="2800" dirty="0" smtClean="0"/>
             </a:br>
@@ -3473,10 +3433,6 @@
               <a:rPr lang="en-US" altLang="ja-JP" sz="2800" dirty="0" smtClean="0"/>
               <a:t>200</a:t>
             </a:r>
-            <a:r>
-              <a:rPr lang="en-US" altLang="ja-JP" sz="2800" dirty="0" smtClean="0"/>
-              <a:t/>
-            </a:r>
             <a:br>
               <a:rPr lang="en-US" altLang="ja-JP" sz="2800" dirty="0" smtClean="0"/>
             </a:br>
@@ -3495,10 +3451,6 @@
             <a:r>
               <a:rPr lang="en-US" altLang="ja-JP" sz="2800" dirty="0" smtClean="0"/>
               <a:t>/10</a:t>
-            </a:r>
-            <a:r>
-              <a:rPr lang="en-US" altLang="ja-JP" sz="2800" dirty="0" smtClean="0"/>
-              <a:t/>
             </a:r>
             <a:br>
               <a:rPr lang="en-US" altLang="ja-JP" sz="2800" dirty="0" smtClean="0"/>
@@ -3685,7 +3637,6 @@
               <a:rPr kumimoji="1" lang="ja-JP" altLang="en-US" sz="3200" dirty="0" smtClean="0"/>
               <a:t>設定</a:t>
             </a:r>
-            <a:endParaRPr kumimoji="1" lang="ja-JP" altLang="en-US" sz="3200" dirty="0" smtClean="0"/>
           </a:p>
         </p:txBody>
       </p:sp>
@@ -3911,7 +3862,6 @@
               <a:rPr kumimoji="1" lang="ja-JP" altLang="en-US" sz="2400" dirty="0" smtClean="0"/>
               <a:t>個体群間の距離</a:t>
             </a:r>
-            <a:endParaRPr kumimoji="1" lang="ja-JP" altLang="en-US" sz="2400" dirty="0" smtClean="0"/>
           </a:p>
         </p:txBody>
       </p:sp>
@@ -4141,7 +4091,6 @@
               <a:rPr kumimoji="1" lang="ja-JP" altLang="en-US" sz="2400" dirty="0" smtClean="0"/>
               <a:t>個体群間の距離</a:t>
             </a:r>
-            <a:endParaRPr kumimoji="1" lang="ja-JP" altLang="en-US" sz="2400" dirty="0" smtClean="0"/>
           </a:p>
         </p:txBody>
       </p:sp>
@@ -4323,8 +4272,8 @@
             </p:nvSpPr>
             <p:spPr>
               <a:xfrm>
-                <a:off x="3267129" y="2560320"/>
-                <a:ext cx="2113271" cy="1254702"/>
+                <a:off x="3283961" y="2560320"/>
+                <a:ext cx="2079607" cy="1254702"/>
               </a:xfrm>
               <a:prstGeom prst="rect">
                 <a:avLst/>
@@ -4492,8 +4441,8 @@
             </p:nvSpPr>
             <p:spPr>
               <a:xfrm>
-                <a:off x="3267129" y="2560320"/>
-                <a:ext cx="2113271" cy="1254702"/>
+                <a:off x="3283961" y="2560320"/>
+                <a:ext cx="2079607" cy="1254702"/>
               </a:xfrm>
               <a:prstGeom prst="rect">
                 <a:avLst/>
